--- a/ClassMaterials/BigO/Slides/Part2-ProjectReminders.pptx
+++ b/ClassMaterials/BigO/Slides/Part2-ProjectReminders.pptx
@@ -134,6 +134,44 @@
 <file path=ppt/changesInfos/changesInfo1.xml><?xml version="1.0" encoding="utf-8"?>
 <pc:chgInfo xmlns:a="http://schemas.openxmlformats.org/drawingml/2006/main" xmlns:r="http://schemas.openxmlformats.org/officeDocument/2006/relationships" xmlns:ac="http://schemas.microsoft.com/office/drawing/2013/main/command" xmlns:pc="http://schemas.microsoft.com/office/powerpoint/2013/main/command">
   <pc:docChgLst>
+    <pc:chgData name="Yoder, Jason" userId="28f4d4d8-da04-4f86-b14d-a21675737bc5" providerId="ADAL" clId="{5385892F-4C09-4ADA-B599-69ABA253B111}"/>
+    <pc:docChg chg="modSld sldOrd">
+      <pc:chgData name="Yoder, Jason" userId="28f4d4d8-da04-4f86-b14d-a21675737bc5" providerId="ADAL" clId="{5385892F-4C09-4ADA-B599-69ABA253B111}" dt="2023-11-20T20:36:56.913" v="140"/>
+      <pc:docMkLst>
+        <pc:docMk/>
+      </pc:docMkLst>
+      <pc:sldChg chg="addSp modSp mod">
+        <pc:chgData name="Yoder, Jason" userId="28f4d4d8-da04-4f86-b14d-a21675737bc5" providerId="ADAL" clId="{5385892F-4C09-4ADA-B599-69ABA253B111}" dt="2023-11-20T20:36:35.244" v="133" actId="14100"/>
+        <pc:sldMkLst>
+          <pc:docMk/>
+          <pc:sldMk cId="0" sldId="256"/>
+        </pc:sldMkLst>
+        <pc:spChg chg="add mod">
+          <ac:chgData name="Yoder, Jason" userId="28f4d4d8-da04-4f86-b14d-a21675737bc5" providerId="ADAL" clId="{5385892F-4C09-4ADA-B599-69ABA253B111}" dt="2023-11-20T20:36:35.244" v="133" actId="14100"/>
+          <ac:spMkLst>
+            <pc:docMk/>
+            <pc:sldMk cId="0" sldId="256"/>
+            <ac:spMk id="2" creationId="{FBE68615-2517-E71B-5F34-F76CE07F7C92}"/>
+          </ac:spMkLst>
+        </pc:spChg>
+      </pc:sldChg>
+      <pc:sldChg chg="ord modNotesTx">
+        <pc:chgData name="Yoder, Jason" userId="28f4d4d8-da04-4f86-b14d-a21675737bc5" providerId="ADAL" clId="{5385892F-4C09-4ADA-B599-69ABA253B111}" dt="2023-11-20T20:36:50.190" v="136"/>
+        <pc:sldMkLst>
+          <pc:docMk/>
+          <pc:sldMk cId="1261546459" sldId="343"/>
+        </pc:sldMkLst>
+      </pc:sldChg>
+      <pc:sldChg chg="ord">
+        <pc:chgData name="Yoder, Jason" userId="28f4d4d8-da04-4f86-b14d-a21675737bc5" providerId="ADAL" clId="{5385892F-4C09-4ADA-B599-69ABA253B111}" dt="2023-11-20T20:36:56.913" v="140"/>
+        <pc:sldMkLst>
+          <pc:docMk/>
+          <pc:sldMk cId="1198630507" sldId="452"/>
+        </pc:sldMkLst>
+      </pc:sldChg>
+    </pc:docChg>
+  </pc:docChgLst>
+  <pc:docChgLst>
     <pc:chgData name="Yoder, Jason" userId="28f4d4d8-da04-4f86-b14d-a21675737bc5" providerId="ADAL" clId="{C1166395-4167-40FC-AEC5-0DD9C076D526}"/>
     <pc:docChg chg="custSel addSld modSld">
       <pc:chgData name="Yoder, Jason" userId="28f4d4d8-da04-4f86-b14d-a21675737bc5" providerId="ADAL" clId="{C1166395-4167-40FC-AEC5-0DD9C076D526}" dt="2023-11-20T20:28:43.779" v="3" actId="27636"/>
@@ -176,44 +214,6 @@
             <ac:spMk id="2" creationId="{4CA291D6-8788-5EA9-36E0-8B320FAB7199}"/>
           </ac:spMkLst>
         </pc:spChg>
-      </pc:sldChg>
-    </pc:docChg>
-  </pc:docChgLst>
-  <pc:docChgLst>
-    <pc:chgData name="Yoder, Jason" userId="28f4d4d8-da04-4f86-b14d-a21675737bc5" providerId="ADAL" clId="{5385892F-4C09-4ADA-B599-69ABA253B111}"/>
-    <pc:docChg chg="modSld sldOrd">
-      <pc:chgData name="Yoder, Jason" userId="28f4d4d8-da04-4f86-b14d-a21675737bc5" providerId="ADAL" clId="{5385892F-4C09-4ADA-B599-69ABA253B111}" dt="2023-11-20T20:36:56.913" v="140"/>
-      <pc:docMkLst>
-        <pc:docMk/>
-      </pc:docMkLst>
-      <pc:sldChg chg="addSp modSp mod">
-        <pc:chgData name="Yoder, Jason" userId="28f4d4d8-da04-4f86-b14d-a21675737bc5" providerId="ADAL" clId="{5385892F-4C09-4ADA-B599-69ABA253B111}" dt="2023-11-20T20:36:35.244" v="133" actId="14100"/>
-        <pc:sldMkLst>
-          <pc:docMk/>
-          <pc:sldMk cId="0" sldId="256"/>
-        </pc:sldMkLst>
-        <pc:spChg chg="add mod">
-          <ac:chgData name="Yoder, Jason" userId="28f4d4d8-da04-4f86-b14d-a21675737bc5" providerId="ADAL" clId="{5385892F-4C09-4ADA-B599-69ABA253B111}" dt="2023-11-20T20:36:35.244" v="133" actId="14100"/>
-          <ac:spMkLst>
-            <pc:docMk/>
-            <pc:sldMk cId="0" sldId="256"/>
-            <ac:spMk id="2" creationId="{FBE68615-2517-E71B-5F34-F76CE07F7C92}"/>
-          </ac:spMkLst>
-        </pc:spChg>
-      </pc:sldChg>
-      <pc:sldChg chg="ord modNotesTx">
-        <pc:chgData name="Yoder, Jason" userId="28f4d4d8-da04-4f86-b14d-a21675737bc5" providerId="ADAL" clId="{5385892F-4C09-4ADA-B599-69ABA253B111}" dt="2023-11-20T20:36:50.190" v="136"/>
-        <pc:sldMkLst>
-          <pc:docMk/>
-          <pc:sldMk cId="1261546459" sldId="343"/>
-        </pc:sldMkLst>
-      </pc:sldChg>
-      <pc:sldChg chg="ord">
-        <pc:chgData name="Yoder, Jason" userId="28f4d4d8-da04-4f86-b14d-a21675737bc5" providerId="ADAL" clId="{5385892F-4C09-4ADA-B599-69ABA253B111}" dt="2023-11-20T20:36:56.913" v="140"/>
-        <pc:sldMkLst>
-          <pc:docMk/>
-          <pc:sldMk cId="1198630507" sldId="452"/>
-        </pc:sldMkLst>
       </pc:sldChg>
     </pc:docChg>
   </pc:docChgLst>
@@ -1664,7 +1664,7 @@
               <a:pPr>
                 <a:defRPr/>
               </a:pPr>
-              <a:t>Monday, November 20, 2023</a:t>
+              <a:t>Tuesday, February 6, 2024</a:t>
             </a:fld>
             <a:endParaRPr lang="en-US"/>
           </a:p>
@@ -1847,7 +1847,7 @@
               <a:pPr>
                 <a:defRPr/>
               </a:pPr>
-              <a:t>Monday, November 20, 2023</a:t>
+              <a:t>Tuesday, February 6, 2024</a:t>
             </a:fld>
             <a:endParaRPr lang="en-US"/>
           </a:p>
@@ -6059,6 +6059,26 @@
 </file>
 
 <file path=customXml/item1.xml><?xml version="1.0" encoding="utf-8"?>
+<?mso-contentType ?>
+<FormTemplates xmlns="http://schemas.microsoft.com/sharepoint/v3/contenttype/forms">
+  <Display>DocumentLibraryForm</Display>
+  <Edit>DocumentLibraryForm</Edit>
+  <New>DocumentLibraryForm</New>
+</FormTemplates>
+</file>
+
+<file path=customXml/item2.xml><?xml version="1.0" encoding="utf-8"?>
+<p:properties xmlns:p="http://schemas.microsoft.com/office/2006/metadata/properties" xmlns:xsi="http://www.w3.org/2001/XMLSchema-instance" xmlns:pc="http://schemas.microsoft.com/office/infopath/2007/PartnerControls">
+  <documentManagement>
+    <TaxCatchAll xmlns="820f9cb1-409d-4c4b-8197-1d4f7dd48124" xsi:nil="true"/>
+    <lcf76f155ced4ddcb4097134ff3c332f xmlns="08600313-7276-4ca7-b5d3-7d86193ee0ac">
+      <Terms xmlns="http://schemas.microsoft.com/office/infopath/2007/PartnerControls"/>
+    </lcf76f155ced4ddcb4097134ff3c332f>
+  </documentManagement>
+</p:properties>
+</file>
+
+<file path=customXml/item3.xml><?xml version="1.0" encoding="utf-8"?>
 <ct:contentTypeSchema xmlns:ct="http://schemas.microsoft.com/office/2006/metadata/contentType" xmlns:ma="http://schemas.microsoft.com/office/2006/metadata/properties/metaAttributes" ct:_="" ma:_="" ma:contentTypeName="Document" ma:contentTypeID="0x0101004285D81DBE5F5A448E892B34D6B8CF20" ma:contentTypeVersion="8" ma:contentTypeDescription="Create a new document." ma:contentTypeScope="" ma:versionID="ecce54155d2ea7caa9aed06c8b6b9867">
   <xsd:schema xmlns:xsd="http://www.w3.org/2001/XMLSchema" xmlns:xs="http://www.w3.org/2001/XMLSchema" xmlns:p="http://schemas.microsoft.com/office/2006/metadata/properties" xmlns:ns2="08600313-7276-4ca7-b5d3-7d86193ee0ac" xmlns:ns3="820f9cb1-409d-4c4b-8197-1d4f7dd48124" targetNamespace="http://schemas.microsoft.com/office/2006/metadata/properties" ma:root="true" ma:fieldsID="bfd7385540b70b2fe84ac888cc214377" ns2:_="" ns3:_="">
     <xsd:import namespace="08600313-7276-4ca7-b5d3-7d86193ee0ac"/>
@@ -6235,27 +6255,26 @@
 </ct:contentTypeSchema>
 </file>
 
-<file path=customXml/item2.xml><?xml version="1.0" encoding="utf-8"?>
-<p:properties xmlns:p="http://schemas.microsoft.com/office/2006/metadata/properties" xmlns:xsi="http://www.w3.org/2001/XMLSchema-instance" xmlns:pc="http://schemas.microsoft.com/office/infopath/2007/PartnerControls">
-  <documentManagement>
-    <TaxCatchAll xmlns="820f9cb1-409d-4c4b-8197-1d4f7dd48124" xsi:nil="true"/>
-    <lcf76f155ced4ddcb4097134ff3c332f xmlns="08600313-7276-4ca7-b5d3-7d86193ee0ac">
-      <Terms xmlns="http://schemas.microsoft.com/office/infopath/2007/PartnerControls"/>
-    </lcf76f155ced4ddcb4097134ff3c332f>
-  </documentManagement>
-</p:properties>
+<file path=customXml/itemProps1.xml><?xml version="1.0" encoding="utf-8"?>
+<ds:datastoreItem xmlns:ds="http://schemas.openxmlformats.org/officeDocument/2006/customXml" ds:itemID="{3EBE5BB5-16D8-4951-9C8D-E0DF199895E2}">
+  <ds:schemaRefs>
+    <ds:schemaRef ds:uri="http://schemas.microsoft.com/sharepoint/v3/contenttype/forms"/>
+  </ds:schemaRefs>
+</ds:datastoreItem>
 </file>
 
-<file path=customXml/item3.xml><?xml version="1.0" encoding="utf-8"?>
-<?mso-contentType ?>
-<FormTemplates xmlns="http://schemas.microsoft.com/sharepoint/v3/contenttype/forms">
-  <Display>DocumentLibraryForm</Display>
-  <Edit>DocumentLibraryForm</Edit>
-  <New>DocumentLibraryForm</New>
-</FormTemplates>
+<file path=customXml/itemProps2.xml><?xml version="1.0" encoding="utf-8"?>
+<ds:datastoreItem xmlns:ds="http://schemas.openxmlformats.org/officeDocument/2006/customXml" ds:itemID="{5634EF7E-5EA3-49C2-BE7A-FEA82609F7D8}">
+  <ds:schemaRefs>
+    <ds:schemaRef ds:uri="http://schemas.microsoft.com/office/2006/metadata/properties"/>
+    <ds:schemaRef ds:uri="http://schemas.microsoft.com/office/infopath/2007/PartnerControls"/>
+    <ds:schemaRef ds:uri="820f9cb1-409d-4c4b-8197-1d4f7dd48124"/>
+    <ds:schemaRef ds:uri="08600313-7276-4ca7-b5d3-7d86193ee0ac"/>
+  </ds:schemaRefs>
+</ds:datastoreItem>
 </file>
 
-<file path=customXml/itemProps1.xml><?xml version="1.0" encoding="utf-8"?>
+<file path=customXml/itemProps3.xml><?xml version="1.0" encoding="utf-8"?>
 <ds:datastoreItem xmlns:ds="http://schemas.openxmlformats.org/officeDocument/2006/customXml" ds:itemID="{749915E0-C9C6-4DE7-A4C1-4F6BBE656611}">
   <ds:schemaRefs>
     <ds:schemaRef ds:uri="http://schemas.microsoft.com/office/2006/metadata/contentType"/>
@@ -6272,23 +6291,4 @@
     <ds:schemaRef ds:uri="http://schemas.microsoft.com/internal/obd"/>
   </ds:schemaRefs>
 </ds:datastoreItem>
-</file>
-
-<file path=customXml/itemProps2.xml><?xml version="1.0" encoding="utf-8"?>
-<ds:datastoreItem xmlns:ds="http://schemas.openxmlformats.org/officeDocument/2006/customXml" ds:itemID="{5634EF7E-5EA3-49C2-BE7A-FEA82609F7D8}">
-  <ds:schemaRefs>
-    <ds:schemaRef ds:uri="http://schemas.microsoft.com/office/2006/metadata/properties"/>
-    <ds:schemaRef ds:uri="http://schemas.microsoft.com/office/infopath/2007/PartnerControls"/>
-    <ds:schemaRef ds:uri="820f9cb1-409d-4c4b-8197-1d4f7dd48124"/>
-    <ds:schemaRef ds:uri="08600313-7276-4ca7-b5d3-7d86193ee0ac"/>
-  </ds:schemaRefs>
-</ds:datastoreItem>
-</file>
-
-<file path=customXml/itemProps3.xml><?xml version="1.0" encoding="utf-8"?>
-<ds:datastoreItem xmlns:ds="http://schemas.openxmlformats.org/officeDocument/2006/customXml" ds:itemID="{3EBE5BB5-16D8-4951-9C8D-E0DF199895E2}">
-  <ds:schemaRefs>
-    <ds:schemaRef ds:uri="http://schemas.microsoft.com/sharepoint/v3/contenttype/forms"/>
-  </ds:schemaRefs>
-</ds:datastoreItem>
 </file>